--- a/BDK10-6.pptx
+++ b/BDK10-6.pptx
@@ -568,7 +568,7 @@
               </a14:hiddenFill>
             </a:ext>
             <a:ext uri="{FAA26D3D-D897-4be2-8F04-BA451C77F1D7}">
-              <ma14:placeholderFlag xmlns:ma14="http://schemas.microsoft.com/office/mac/drawingml/2011/main" xmlns="" val="1"/>
+              <ma14:placeholderFlag xmlns="" xmlns:ma14="http://schemas.microsoft.com/office/mac/drawingml/2011/main" val="1"/>
             </a:ext>
           </a:extLst>
         </p:spPr>
@@ -1096,7 +1096,7 @@
               </a14:hiddenLine>
             </a:ext>
             <a:ext uri="{FAA26D3D-D897-4be2-8F04-BA451C77F1D7}">
-              <ma14:placeholderFlag xmlns:ma14="http://schemas.microsoft.com/office/mac/drawingml/2011/main" xmlns="" val="1"/>
+              <ma14:placeholderFlag xmlns="" xmlns:ma14="http://schemas.microsoft.com/office/mac/drawingml/2011/main" val="1"/>
             </a:ext>
           </a:extLst>
         </p:spPr>
@@ -1187,7 +1187,7 @@
               </a14:hiddenLine>
             </a:ext>
             <a:ext uri="{FAA26D3D-D897-4be2-8F04-BA451C77F1D7}">
-              <ma14:placeholderFlag xmlns:ma14="http://schemas.microsoft.com/office/mac/drawingml/2011/main" xmlns="" val="1"/>
+              <ma14:placeholderFlag xmlns="" xmlns:ma14="http://schemas.microsoft.com/office/mac/drawingml/2011/main" val="1"/>
             </a:ext>
           </a:extLst>
         </p:spPr>
@@ -1591,7 +1591,7 @@
               </a14:hiddenLine>
             </a:ext>
             <a:ext uri="{FAA26D3D-D897-4be2-8F04-BA451C77F1D7}">
-              <ma14:placeholderFlag xmlns:ma14="http://schemas.microsoft.com/office/mac/drawingml/2011/main" xmlns="" val="1"/>
+              <ma14:placeholderFlag xmlns="" xmlns:ma14="http://schemas.microsoft.com/office/mac/drawingml/2011/main" val="1"/>
             </a:ext>
           </a:extLst>
         </p:spPr>
@@ -1839,7 +1839,7 @@
               </a14:hiddenLine>
             </a:ext>
             <a:ext uri="{FAA26D3D-D897-4be2-8F04-BA451C77F1D7}">
-              <ma14:placeholderFlag xmlns:ma14="http://schemas.microsoft.com/office/mac/drawingml/2011/main" xmlns="" val="1"/>
+              <ma14:placeholderFlag xmlns="" xmlns:ma14="http://schemas.microsoft.com/office/mac/drawingml/2011/main" val="1"/>
             </a:ext>
           </a:extLst>
         </p:spPr>
@@ -2087,7 +2087,7 @@
               </a14:hiddenLine>
             </a:ext>
             <a:ext uri="{FAA26D3D-D897-4be2-8F04-BA451C77F1D7}">
-              <ma14:placeholderFlag xmlns:ma14="http://schemas.microsoft.com/office/mac/drawingml/2011/main" xmlns="" val="1"/>
+              <ma14:placeholderFlag xmlns="" xmlns:ma14="http://schemas.microsoft.com/office/mac/drawingml/2011/main" val="1"/>
             </a:ext>
           </a:extLst>
         </p:spPr>
@@ -2335,7 +2335,7 @@
               </a14:hiddenLine>
             </a:ext>
             <a:ext uri="{FAA26D3D-D897-4be2-8F04-BA451C77F1D7}">
-              <ma14:placeholderFlag xmlns:ma14="http://schemas.microsoft.com/office/mac/drawingml/2011/main" xmlns="" val="1"/>
+              <ma14:placeholderFlag xmlns="" xmlns:ma14="http://schemas.microsoft.com/office/mac/drawingml/2011/main" val="1"/>
             </a:ext>
           </a:extLst>
         </p:spPr>
@@ -2583,7 +2583,7 @@
               </a14:hiddenLine>
             </a:ext>
             <a:ext uri="{FAA26D3D-D897-4be2-8F04-BA451C77F1D7}">
-              <ma14:placeholderFlag xmlns:ma14="http://schemas.microsoft.com/office/mac/drawingml/2011/main" xmlns="" val="1"/>
+              <ma14:placeholderFlag xmlns="" xmlns:ma14="http://schemas.microsoft.com/office/mac/drawingml/2011/main" val="1"/>
             </a:ext>
           </a:extLst>
         </p:spPr>
@@ -2831,7 +2831,7 @@
               </a14:hiddenLine>
             </a:ext>
             <a:ext uri="{FAA26D3D-D897-4be2-8F04-BA451C77F1D7}">
-              <ma14:placeholderFlag xmlns:ma14="http://schemas.microsoft.com/office/mac/drawingml/2011/main" xmlns="" val="1"/>
+              <ma14:placeholderFlag xmlns="" xmlns:ma14="http://schemas.microsoft.com/office/mac/drawingml/2011/main" val="1"/>
             </a:ext>
           </a:extLst>
         </p:spPr>
@@ -3079,7 +3079,7 @@
               </a14:hiddenLine>
             </a:ext>
             <a:ext uri="{FAA26D3D-D897-4be2-8F04-BA451C77F1D7}">
-              <ma14:placeholderFlag xmlns:ma14="http://schemas.microsoft.com/office/mac/drawingml/2011/main" xmlns="" val="1"/>
+              <ma14:placeholderFlag xmlns="" xmlns:ma14="http://schemas.microsoft.com/office/mac/drawingml/2011/main" val="1"/>
             </a:ext>
           </a:extLst>
         </p:spPr>
@@ -3327,7 +3327,7 @@
               </a14:hiddenLine>
             </a:ext>
             <a:ext uri="{FAA26D3D-D897-4be2-8F04-BA451C77F1D7}">
-              <ma14:placeholderFlag xmlns:ma14="http://schemas.microsoft.com/office/mac/drawingml/2011/main" xmlns="" val="1"/>
+              <ma14:placeholderFlag xmlns="" xmlns:ma14="http://schemas.microsoft.com/office/mac/drawingml/2011/main" val="1"/>
             </a:ext>
           </a:extLst>
         </p:spPr>
@@ -3418,7 +3418,7 @@
               </a14:hiddenLine>
             </a:ext>
             <a:ext uri="{FAA26D3D-D897-4be2-8F04-BA451C77F1D7}">
-              <ma14:placeholderFlag xmlns:ma14="http://schemas.microsoft.com/office/mac/drawingml/2011/main" xmlns="" val="1"/>
+              <ma14:placeholderFlag xmlns="" xmlns:ma14="http://schemas.microsoft.com/office/mac/drawingml/2011/main" val="1"/>
             </a:ext>
           </a:extLst>
         </p:spPr>
@@ -3822,7 +3822,7 @@
               </a14:hiddenLine>
             </a:ext>
             <a:ext uri="{FAA26D3D-D897-4be2-8F04-BA451C77F1D7}">
-              <ma14:placeholderFlag xmlns:ma14="http://schemas.microsoft.com/office/mac/drawingml/2011/main" xmlns="" val="1"/>
+              <ma14:placeholderFlag xmlns="" xmlns:ma14="http://schemas.microsoft.com/office/mac/drawingml/2011/main" val="1"/>
             </a:ext>
           </a:extLst>
         </p:spPr>
@@ -4070,7 +4070,7 @@
               </a14:hiddenLine>
             </a:ext>
             <a:ext uri="{FAA26D3D-D897-4be2-8F04-BA451C77F1D7}">
-              <ma14:placeholderFlag xmlns:ma14="http://schemas.microsoft.com/office/mac/drawingml/2011/main" xmlns="" val="1"/>
+              <ma14:placeholderFlag xmlns="" xmlns:ma14="http://schemas.microsoft.com/office/mac/drawingml/2011/main" val="1"/>
             </a:ext>
           </a:extLst>
         </p:spPr>
@@ -24200,6 +24200,30 @@
           </a:prstGeom>
         </p:spPr>
       </p:pic>
+      <p:pic>
+        <p:nvPicPr>
+          <p:cNvPr id="4" name="Picture 3"/>
+          <p:cNvPicPr>
+            <a:picLocks noChangeAspect="1"/>
+          </p:cNvPicPr>
+          <p:nvPr/>
+        </p:nvPicPr>
+        <p:blipFill>
+          <a:blip r:embed="rId5"/>
+          <a:stretch>
+            <a:fillRect/>
+          </a:stretch>
+        </p:blipFill>
+        <p:spPr>
+          <a:xfrm>
+            <a:off x="1304265" y="1417638"/>
+            <a:ext cx="6535470" cy="4635419"/>
+          </a:xfrm>
+          <a:prstGeom prst="rect">
+            <a:avLst/>
+          </a:prstGeom>
+        </p:spPr>
+      </p:pic>
     </p:spTree>
     <p:custDataLst>
       <p:tags r:id="rId1"/>
@@ -24691,16 +24715,61 @@
             <a:endParaRPr lang="en-US" dirty="0" smtClean="0"/>
           </a:p>
           <a:p>
-            <a:pPr lvl="2" eaLnBrk="1" hangingPunct="1">
+            <a:pPr lvl="2">
               <a:lnSpc>
                 <a:spcPct val="80000"/>
               </a:lnSpc>
             </a:pPr>
             <a:r>
-              <a:rPr lang="en-US" dirty="0" err="1" smtClean="0"/>
-              <a:t>VisualDx</a:t>
-            </a:r>
-            <a:endParaRPr lang="en-US" dirty="0"/>
+              <a:rPr lang="en-US" dirty="0" smtClean="0"/>
+              <a:t>Open-I</a:t>
+            </a:r>
+          </a:p>
+          <a:p>
+            <a:pPr lvl="1">
+              <a:lnSpc>
+                <a:spcPct val="80000"/>
+              </a:lnSpc>
+            </a:pPr>
+            <a:r>
+              <a:rPr lang="en-US" dirty="0" smtClean="0"/>
+              <a:t>Visual </a:t>
+            </a:r>
+            <a:r>
+              <a:rPr lang="en-US" dirty="0" smtClean="0"/>
+              <a:t>queries usually used for finding similar images, e.g., </a:t>
+            </a:r>
+            <a:r>
+              <a:rPr lang="en-US" altLang="ja-JP" dirty="0" smtClean="0"/>
+              <a:t>“</a:t>
+            </a:r>
+            <a:r>
+              <a:rPr lang="en-US" dirty="0" smtClean="0"/>
+              <a:t>find me more like this</a:t>
+            </a:r>
+            <a:r>
+              <a:rPr lang="en-US" altLang="ja-JP" dirty="0" smtClean="0"/>
+              <a:t>”</a:t>
+            </a:r>
+            <a:r>
+              <a:rPr lang="en-US" dirty="0" smtClean="0"/>
+              <a:t> </a:t>
+            </a:r>
+          </a:p>
+          <a:p>
+            <a:pPr>
+              <a:lnSpc>
+                <a:spcPct val="80000"/>
+              </a:lnSpc>
+            </a:pPr>
+            <a:r>
+              <a:rPr lang="en-US" dirty="0" smtClean="0"/>
+              <a:t>Annotated </a:t>
+            </a:r>
+            <a:r>
+              <a:rPr lang="en-US" dirty="0" smtClean="0"/>
+              <a:t>content</a:t>
+            </a:r>
           </a:p>
           <a:p>
             <a:pPr lvl="1" eaLnBrk="1" hangingPunct="1">
@@ -24709,63 +24778,35 @@
               </a:lnSpc>
             </a:pPr>
             <a:r>
+              <a:rPr lang="en-US" dirty="0" smtClean="0"/>
+              <a:t>Searching </a:t>
+            </a:r>
+            <a:r>
               <a:rPr lang="en-US" dirty="0"/>
-              <a:t>Visual queries usually used for finding similar images, e.g., </a:t>
-            </a:r>
-            <a:r>
-              <a:rPr lang="en-US" altLang="ja-JP" dirty="0" smtClean="0"/>
-              <a:t>“</a:t>
-            </a:r>
-            <a:r>
-              <a:rPr lang="en-US" dirty="0" smtClean="0"/>
-              <a:t>find </a:t>
-            </a:r>
-            <a:r>
-              <a:rPr lang="en-US" dirty="0"/>
-              <a:t>me more like </a:t>
-            </a:r>
-            <a:r>
-              <a:rPr lang="en-US" dirty="0" smtClean="0"/>
-              <a:t>this</a:t>
-            </a:r>
-            <a:r>
-              <a:rPr lang="en-US" altLang="ja-JP" dirty="0" smtClean="0"/>
-              <a:t>”</a:t>
-            </a:r>
-            <a:r>
-              <a:rPr lang="en-US" dirty="0" smtClean="0"/>
-              <a:t> </a:t>
-            </a:r>
-            <a:endParaRPr lang="en-US" dirty="0"/>
-          </a:p>
-          <a:p>
-            <a:pPr>
+              <a:t>over metadata fields, e.g., </a:t>
+            </a:r>
+            <a:endParaRPr lang="en-US" dirty="0" smtClean="0"/>
+          </a:p>
+          <a:p>
+            <a:pPr lvl="2">
               <a:lnSpc>
                 <a:spcPct val="80000"/>
               </a:lnSpc>
             </a:pPr>
             <a:r>
               <a:rPr lang="en-US" dirty="0" smtClean="0"/>
-              <a:t>Annotated content</a:t>
-            </a:r>
-          </a:p>
-          <a:p>
-            <a:pPr lvl="1" eaLnBrk="1" hangingPunct="1">
+              <a:t>learning objects</a:t>
+            </a:r>
+          </a:p>
+          <a:p>
+            <a:pPr lvl="2">
               <a:lnSpc>
                 <a:spcPct val="80000"/>
               </a:lnSpc>
             </a:pPr>
             <a:r>
-              <a:rPr lang="en-US" dirty="0" smtClean="0"/>
-              <a:t>Searching </a:t>
-            </a:r>
-            <a:r>
               <a:rPr lang="en-US" dirty="0"/>
-              <a:t>over metadata fields, e.g., learning </a:t>
-            </a:r>
-            <a:r>
-              <a:rPr lang="en-US" dirty="0" smtClean="0"/>
-              <a:t>objects</a:t>
+              <a:t>Data sets </a:t>
             </a:r>
             <a:endParaRPr lang="en-US" dirty="0"/>
           </a:p>
@@ -24793,7 +24834,19 @@
           <a:p>
             <a:r>
               <a:rPr lang="en-US" dirty="0"/>
-              <a:t>(Müller, 2004; Müller, 2010), (</a:t>
+              <a:t>(Müller, 2010; </a:t>
+            </a:r>
+            <a:r>
+              <a:rPr lang="en-US" dirty="0" err="1"/>
+              <a:t>Kalpathy</a:t>
+            </a:r>
+            <a:r>
+              <a:rPr lang="en-US" dirty="0"/>
+              <a:t>-Cramer, 2015), </a:t>
+            </a:r>
+            <a:r>
+              <a:rPr lang="en-US" dirty="0"/>
+              <a:t>(</a:t>
             </a:r>
             <a:r>
               <a:rPr lang="en-US" dirty="0" err="1"/>
@@ -24815,15 +24868,7 @@
             </a:r>
             <a:r>
               <a:rPr lang="en-US" dirty="0"/>
-              <a:t>(</a:t>
-            </a:r>
-            <a:r>
-              <a:rPr lang="en-US" dirty="0" err="1"/>
-              <a:t>Hersh</a:t>
-            </a:r>
-            <a:r>
-              <a:rPr lang="en-US" dirty="0"/>
-              <a:t>, 2006)</a:t>
+              <a:t>(Hersh, 2006)</a:t>
             </a:r>
             <a:r>
               <a:rPr lang="en-US" dirty="0" smtClean="0"/>
@@ -27937,14 +27982,14 @@
             <p:ph idx="1"/>
             <p:extLst>
               <p:ext uri="{D42A27DB-BD31-4B8C-83A1-F6EECF244321}">
-                <p14:modId xmlns:p14="http://schemas.microsoft.com/office/powerpoint/2010/main" val="264600634"/>
+                <p14:modId xmlns:p14="http://schemas.microsoft.com/office/powerpoint/2010/main" val="1909391469"/>
               </p:ext>
             </p:extLst>
           </p:nvPr>
         </p:nvGraphicFramePr>
         <p:xfrm>
           <a:off x="225425" y="1182688"/>
-          <a:ext cx="8693149" cy="2784477"/>
+          <a:ext cx="8693149" cy="2784532"/>
         </p:xfrm>
         <a:graphic>
           <a:graphicData uri="http://schemas.openxmlformats.org/drawingml/2006/table">
@@ -27964,21 +28009,12 @@
                     <a:lstStyle/>
                     <a:p>
                       <a:r>
-                        <a:rPr lang="en-US" sz="2100" b="1" dirty="0" smtClean="0">
-                          <a:solidFill>
-                            <a:srgbClr val="757070"/>
-                          </a:solidFill>
-                        </a:rPr>
+                        <a:rPr lang="en-US" sz="2400" b="1" dirty="0"/>
                         <a:t>Search Engine</a:t>
                       </a:r>
-                      <a:endParaRPr lang="en-US" sz="2100" b="1" dirty="0">
-                        <a:solidFill>
-                          <a:srgbClr val="757070"/>
-                        </a:solidFill>
-                      </a:endParaRPr>
                     </a:p>
                   </a:txBody>
-                  <a:tcPr marL="96591" marR="96591" marT="45709" marB="45709"/>
+                  <a:tcPr marT="45709" marB="45709"/>
                 </a:tc>
                 <a:tc>
                   <a:txBody>
@@ -27986,21 +28022,12 @@
                     <a:lstStyle/>
                     <a:p>
                       <a:r>
-                        <a:rPr lang="en-US" sz="2100" b="1" dirty="0" smtClean="0">
-                          <a:solidFill>
-                            <a:srgbClr val="757070"/>
-                          </a:solidFill>
-                        </a:rPr>
+                        <a:rPr lang="en-US" sz="2400" b="1" dirty="0"/>
                         <a:t>Searches per month</a:t>
                       </a:r>
-                      <a:endParaRPr lang="en-US" sz="2100" b="1" dirty="0">
-                        <a:solidFill>
-                          <a:srgbClr val="757070"/>
-                        </a:solidFill>
-                      </a:endParaRPr>
                     </a:p>
                   </a:txBody>
-                  <a:tcPr marL="96591" marR="96591" marT="45709" marB="45709"/>
+                  <a:tcPr marT="45709" marB="45709"/>
                 </a:tc>
                 <a:tc>
                   <a:txBody>
@@ -28008,21 +28035,12 @@
                     <a:lstStyle/>
                     <a:p>
                       <a:r>
-                        <a:rPr lang="en-US" sz="2100" b="1" dirty="0" smtClean="0">
-                          <a:solidFill>
-                            <a:srgbClr val="757070"/>
-                          </a:solidFill>
-                        </a:rPr>
+                        <a:rPr lang="en-US" sz="2400" b="1" dirty="0"/>
                         <a:t>Share</a:t>
                       </a:r>
-                      <a:endParaRPr lang="en-US" sz="2100" b="1" dirty="0">
-                        <a:solidFill>
-                          <a:srgbClr val="757070"/>
-                        </a:solidFill>
-                      </a:endParaRPr>
                     </a:p>
                   </a:txBody>
-                  <a:tcPr marL="96591" marR="96591" marT="45709" marB="45709"/>
+                  <a:tcPr marT="45709" marB="45709"/>
                 </a:tc>
               </a:tr>
               <a:tr h="457167">
@@ -28032,21 +28050,12 @@
                     <a:lstStyle/>
                     <a:p>
                       <a:r>
-                        <a:rPr lang="en-US" sz="2100" dirty="0" smtClean="0">
-                          <a:solidFill>
-                            <a:srgbClr val="757070"/>
-                          </a:solidFill>
-                        </a:rPr>
+                        <a:rPr lang="en-US" sz="2400" dirty="0"/>
                         <a:t>Google</a:t>
                       </a:r>
-                      <a:endParaRPr lang="en-US" sz="2100" dirty="0">
-                        <a:solidFill>
-                          <a:srgbClr val="757070"/>
-                        </a:solidFill>
-                      </a:endParaRPr>
                     </a:p>
                   </a:txBody>
-                  <a:tcPr marL="96591" marR="96591" marT="45709" marB="45709"/>
+                  <a:tcPr marT="45709" marB="45709"/>
                 </a:tc>
                 <a:tc>
                   <a:txBody>
@@ -28054,21 +28063,12 @@
                     <a:lstStyle/>
                     <a:p>
                       <a:r>
-                        <a:rPr lang="en-US" sz="2100" dirty="0" smtClean="0">
-                          <a:solidFill>
-                            <a:srgbClr val="757070"/>
-                          </a:solidFill>
-                        </a:rPr>
-                        <a:t>12.1B</a:t>
+                        <a:rPr lang="en-US" sz="2400" dirty="0"/>
+                        <a:t>10.4B</a:t>
                       </a:r>
-                      <a:endParaRPr lang="en-US" sz="2100" dirty="0">
-                        <a:solidFill>
-                          <a:srgbClr val="757070"/>
-                        </a:solidFill>
-                      </a:endParaRPr>
                     </a:p>
                   </a:txBody>
-                  <a:tcPr marL="96591" marR="96591" marT="45709" marB="45709"/>
+                  <a:tcPr marT="45709" marB="45709"/>
                 </a:tc>
                 <a:tc>
                   <a:txBody>
@@ -28076,21 +28076,12 @@
                     <a:lstStyle/>
                     <a:p>
                       <a:r>
-                        <a:rPr lang="en-US" sz="2100" dirty="0" smtClean="0">
-                          <a:solidFill>
-                            <a:srgbClr val="757070"/>
-                          </a:solidFill>
-                        </a:rPr>
-                        <a:t>64.4%</a:t>
+                        <a:rPr lang="en-US" sz="2400" dirty="0"/>
+                        <a:t>63.6%</a:t>
                       </a:r>
-                      <a:endParaRPr lang="en-US" sz="2100" dirty="0">
-                        <a:solidFill>
-                          <a:srgbClr val="757070"/>
-                        </a:solidFill>
-                      </a:endParaRPr>
                     </a:p>
                   </a:txBody>
-                  <a:tcPr marL="96591" marR="96591" marT="45709" marB="45709"/>
+                  <a:tcPr marT="45709" marB="45709"/>
                 </a:tc>
               </a:tr>
               <a:tr h="457167">
@@ -28100,21 +28091,12 @@
                     <a:lstStyle/>
                     <a:p>
                       <a:r>
-                        <a:rPr lang="en-US" sz="2100" dirty="0" smtClean="0">
-                          <a:solidFill>
-                            <a:srgbClr val="757070"/>
-                          </a:solidFill>
-                        </a:rPr>
+                        <a:rPr lang="en-US" sz="2400" dirty="0"/>
                         <a:t>Microsoft Bing</a:t>
                       </a:r>
-                      <a:endParaRPr lang="en-US" sz="2100" dirty="0">
-                        <a:solidFill>
-                          <a:srgbClr val="757070"/>
-                        </a:solidFill>
-                      </a:endParaRPr>
                     </a:p>
                   </a:txBody>
-                  <a:tcPr marL="96591" marR="96591" marT="45709" marB="45709"/>
+                  <a:tcPr marT="45709" marB="45709"/>
                 </a:tc>
                 <a:tc>
                   <a:txBody>
@@ -28122,21 +28104,12 @@
                     <a:lstStyle/>
                     <a:p>
                       <a:r>
-                        <a:rPr lang="en-US" sz="2100" dirty="0" smtClean="0">
-                          <a:solidFill>
-                            <a:srgbClr val="757070"/>
-                          </a:solidFill>
-                        </a:rPr>
-                        <a:t>3.8B</a:t>
+                        <a:rPr lang="en-US" sz="2400" dirty="0"/>
+                        <a:t>3.7B</a:t>
                       </a:r>
-                      <a:endParaRPr lang="en-US" sz="2100" dirty="0">
-                        <a:solidFill>
-                          <a:srgbClr val="757070"/>
-                        </a:solidFill>
-                      </a:endParaRPr>
                     </a:p>
                   </a:txBody>
-                  <a:tcPr marL="96591" marR="96591" marT="45709" marB="45709"/>
+                  <a:tcPr marT="45709" marB="45709"/>
                 </a:tc>
                 <a:tc>
                   <a:txBody>
@@ -28144,21 +28117,12 @@
                     <a:lstStyle/>
                     <a:p>
                       <a:r>
-                        <a:rPr lang="en-US" sz="2100" dirty="0" smtClean="0">
-                          <a:solidFill>
-                            <a:srgbClr val="757070"/>
-                          </a:solidFill>
-                        </a:rPr>
-                        <a:t>20.1%</a:t>
+                        <a:rPr lang="en-US" sz="2400" dirty="0"/>
+                        <a:t>22.8%</a:t>
                       </a:r>
-                      <a:endParaRPr lang="en-US" sz="2100" dirty="0">
-                        <a:solidFill>
-                          <a:srgbClr val="757070"/>
-                        </a:solidFill>
-                      </a:endParaRPr>
                     </a:p>
                   </a:txBody>
-                  <a:tcPr marL="96591" marR="96591" marT="45709" marB="45709"/>
+                  <a:tcPr marT="45709" marB="45709"/>
                 </a:tc>
               </a:tr>
               <a:tr h="457167">
@@ -28168,21 +28132,12 @@
                     <a:lstStyle/>
                     <a:p>
                       <a:r>
-                        <a:rPr lang="en-US" sz="2100" dirty="0" smtClean="0">
-                          <a:solidFill>
-                            <a:srgbClr val="757070"/>
-                          </a:solidFill>
-                        </a:rPr>
+                        <a:rPr lang="en-US" sz="2400" dirty="0"/>
                         <a:t>Yahoo!</a:t>
                       </a:r>
-                      <a:endParaRPr lang="en-US" sz="2100" dirty="0">
-                        <a:solidFill>
-                          <a:srgbClr val="757070"/>
-                        </a:solidFill>
-                      </a:endParaRPr>
                     </a:p>
                   </a:txBody>
-                  <a:tcPr marL="96591" marR="96591" marT="45709" marB="45709"/>
+                  <a:tcPr marT="45709" marB="45709"/>
                 </a:tc>
                 <a:tc>
                   <a:txBody>
@@ -28190,21 +28145,12 @@
                     <a:lstStyle/>
                     <a:p>
                       <a:r>
-                        <a:rPr lang="en-US" sz="2100" dirty="0" smtClean="0">
-                          <a:solidFill>
-                            <a:srgbClr val="757070"/>
-                          </a:solidFill>
-                        </a:rPr>
-                        <a:t>2.4B</a:t>
+                        <a:rPr lang="en-US" sz="2400" dirty="0"/>
+                        <a:t>1.9B</a:t>
                       </a:r>
-                      <a:endParaRPr lang="en-US" sz="2100" dirty="0">
-                        <a:solidFill>
-                          <a:srgbClr val="757070"/>
-                        </a:solidFill>
-                      </a:endParaRPr>
                     </a:p>
                   </a:txBody>
-                  <a:tcPr marL="96591" marR="96591" marT="45709" marB="45709"/>
+                  <a:tcPr marT="45709" marB="45709"/>
                 </a:tc>
                 <a:tc>
                   <a:txBody>
@@ -28212,21 +28158,12 @@
                     <a:lstStyle/>
                     <a:p>
                       <a:r>
-                        <a:rPr lang="en-US" sz="2100" dirty="0" smtClean="0">
-                          <a:solidFill>
-                            <a:srgbClr val="757070"/>
-                          </a:solidFill>
-                        </a:rPr>
-                        <a:t>12.7%</a:t>
+                        <a:rPr lang="en-US" sz="2400" dirty="0"/>
+                        <a:t>11.6%</a:t>
                       </a:r>
-                      <a:endParaRPr lang="en-US" sz="2100" dirty="0">
-                        <a:solidFill>
-                          <a:srgbClr val="757070"/>
-                        </a:solidFill>
-                      </a:endParaRPr>
                     </a:p>
                   </a:txBody>
-                  <a:tcPr marL="96591" marR="96591" marT="45709" marB="45709"/>
+                  <a:tcPr marT="45709" marB="45709"/>
                 </a:tc>
               </a:tr>
               <a:tr h="457167">
@@ -28236,21 +28173,12 @@
                     <a:lstStyle/>
                     <a:p>
                       <a:r>
-                        <a:rPr lang="en-US" sz="2100" dirty="0" smtClean="0">
-                          <a:solidFill>
-                            <a:srgbClr val="757070"/>
-                          </a:solidFill>
-                        </a:rPr>
+                        <a:rPr lang="en-US" sz="2400" dirty="0"/>
                         <a:t>Ask</a:t>
                       </a:r>
-                      <a:endParaRPr lang="en-US" sz="2100" dirty="0">
-                        <a:solidFill>
-                          <a:srgbClr val="757070"/>
-                        </a:solidFill>
-                      </a:endParaRPr>
                     </a:p>
                   </a:txBody>
-                  <a:tcPr marL="96591" marR="96591" marT="45709" marB="45709"/>
+                  <a:tcPr marT="45709" marB="45709"/>
                 </a:tc>
                 <a:tc>
                   <a:txBody>
@@ -28258,21 +28186,12 @@
                     <a:lstStyle/>
                     <a:p>
                       <a:r>
-                        <a:rPr lang="en-US" sz="2100" dirty="0" smtClean="0">
-                          <a:solidFill>
-                            <a:srgbClr val="757070"/>
-                          </a:solidFill>
-                        </a:rPr>
-                        <a:t>0.3B</a:t>
+                        <a:rPr lang="en-US" sz="2400" dirty="0"/>
+                        <a:t>0.2B</a:t>
                       </a:r>
-                      <a:endParaRPr lang="en-US" sz="2100" dirty="0">
-                        <a:solidFill>
-                          <a:srgbClr val="757070"/>
-                        </a:solidFill>
-                      </a:endParaRPr>
                     </a:p>
                   </a:txBody>
-                  <a:tcPr marL="96591" marR="96591" marT="45709" marB="45709"/>
+                  <a:tcPr marT="45709" marB="45709"/>
                 </a:tc>
                 <a:tc>
                   <a:txBody>
@@ -28280,21 +28199,12 @@
                     <a:lstStyle/>
                     <a:p>
                       <a:r>
-                        <a:rPr lang="en-US" sz="2100" dirty="0" smtClean="0">
-                          <a:solidFill>
-                            <a:srgbClr val="757070"/>
-                          </a:solidFill>
-                        </a:rPr>
-                        <a:t>1.8%</a:t>
+                        <a:rPr lang="en-US" sz="2400" dirty="0"/>
+                        <a:t>1.3%</a:t>
                       </a:r>
-                      <a:endParaRPr lang="en-US" sz="2100" dirty="0">
-                        <a:solidFill>
-                          <a:srgbClr val="757070"/>
-                        </a:solidFill>
-                      </a:endParaRPr>
                     </a:p>
                   </a:txBody>
-                  <a:tcPr marL="96591" marR="96591" marT="45709" marB="45709"/>
+                  <a:tcPr marT="45709" marB="45709"/>
                 </a:tc>
               </a:tr>
               <a:tr h="498642">
@@ -28304,21 +28214,12 @@
                     <a:lstStyle/>
                     <a:p>
                       <a:r>
-                        <a:rPr lang="en-US" sz="2100" dirty="0" smtClean="0">
-                          <a:solidFill>
-                            <a:srgbClr val="757070"/>
-                          </a:solidFill>
-                        </a:rPr>
+                        <a:rPr lang="en-US" sz="2400" dirty="0"/>
                         <a:t>AOL</a:t>
                       </a:r>
-                      <a:endParaRPr lang="en-US" sz="2100" dirty="0">
-                        <a:solidFill>
-                          <a:srgbClr val="757070"/>
-                        </a:solidFill>
-                      </a:endParaRPr>
                     </a:p>
                   </a:txBody>
-                  <a:tcPr marL="96591" marR="96591" marT="45709" marB="45709"/>
+                  <a:tcPr marT="45709" marB="45709"/>
                 </a:tc>
                 <a:tc>
                   <a:txBody>
@@ -28326,21 +28227,12 @@
                     <a:lstStyle/>
                     <a:p>
                       <a:r>
-                        <a:rPr lang="en-US" sz="2100" dirty="0" smtClean="0">
-                          <a:solidFill>
-                            <a:srgbClr val="757070"/>
-                          </a:solidFill>
-                        </a:rPr>
-                        <a:t>0.2B</a:t>
+                        <a:rPr lang="en-US" sz="2400" dirty="0"/>
+                        <a:t>0.1B</a:t>
                       </a:r>
-                      <a:endParaRPr lang="en-US" sz="2100" dirty="0">
-                        <a:solidFill>
-                          <a:srgbClr val="757070"/>
-                        </a:solidFill>
-                      </a:endParaRPr>
                     </a:p>
                   </a:txBody>
-                  <a:tcPr marL="96591" marR="96591" marT="45709" marB="45709"/>
+                  <a:tcPr marT="45709" marB="45709"/>
                 </a:tc>
                 <a:tc>
                   <a:txBody>
@@ -28348,21 +28240,12 @@
                     <a:lstStyle/>
                     <a:p>
                       <a:r>
-                        <a:rPr lang="en-US" sz="2100" dirty="0" smtClean="0">
-                          <a:solidFill>
-                            <a:srgbClr val="757070"/>
-                          </a:solidFill>
-                        </a:rPr>
-                        <a:t>1.1%</a:t>
+                        <a:rPr lang="en-US" sz="2400" dirty="0"/>
+                        <a:t>0.8%</a:t>
                       </a:r>
-                      <a:endParaRPr lang="en-US" sz="2100" dirty="0">
-                        <a:solidFill>
-                          <a:srgbClr val="757070"/>
-                        </a:solidFill>
-                      </a:endParaRPr>
                     </a:p>
                   </a:txBody>
-                  <a:tcPr marL="96591" marR="96591" marT="45709" marB="45709"/>
+                  <a:tcPr marT="45709" marB="45709"/>
                 </a:tc>
               </a:tr>
             </a:tbl>
@@ -28973,7 +28856,6 @@
   <p:tag name="ARTICULATE_META_COURSE_VERSION_SET" val="True"/>
   <p:tag name="ARTICULATE_REFERENCE_ID" val="8dab6882-72bd-4828-b317-696b00f81a11"/>
   <p:tag name="ARTICULATE_SLIDE_COUNT" val="14"/>
-  <p:tag name="ARTICULATE_PROJECT_OPEN" val="1"/>
   <p:tag name="ARTICULATE_REFERENCE_TYPE_1" val="1"/>
   <p:tag name="ARTICULATE_REFERENCE_1" val="C:\wamp\www\Box Sync\BD2K\OER Content\BDK12\Staged\List of Resources for Retrieval Pt.2.pdf"/>
   <p:tag name="ARTICULATE_REFERENCE_TITLE_1" val="List of Resources for Retrieval Pt.2"/>
@@ -28987,6 +28869,7 @@
   <p:tag name="ARTICULATE_USED_PAGE_SIZE" val="1"/>
   <p:tag name="ARTICULATE_META_COURSE_ID" val="4erGWZiZRR6_course_id"/>
   <p:tag name="ARTICULATE_META_NAME_SET" val="True"/>
+  <p:tag name="ARTICULATE_PROJECT_OPEN" val="0"/>
 </p:tagLst>
 </file>
 
@@ -29252,6 +29135,7 @@
   <p:tag name="ARTICULATE_PLAYER_CONTROL_RESOURCES" val="False"/>
   <p:tag name="ELAPSEDTIME" val="10.972"/>
   <p:tag name="ARTICULATE_USED_LAYOUT" val="1"/>
+  <p:tag name="ARTICULATE_SLIDE_THUMBNAIL_REFRESH" val="1"/>
 </p:tagLst>
 </file>
 
@@ -29271,6 +29155,7 @@
   <p:tag name="ARTICULATE_PLAYER_CONTROL_NEXT" val="True"/>
   <p:tag name="ARTICULATE_PLAYER_CONTROL_RESOURCES" val="False"/>
   <p:tag name="ARTICULATE_USED_LAYOUT" val="2"/>
+  <p:tag name="ARTICULATE_SLIDE_THUMBNAIL_REFRESH" val="1"/>
 </p:tagLst>
 </file>
 
@@ -29296,6 +29181,7 @@
   <p:tag name="ARTICULATE_PLAYER_CONTROL_NEXT" val="True"/>
   <p:tag name="ARTICULATE_PLAYER_CONTROL_RESOURCES" val="False"/>
   <p:tag name="ARTICULATE_USED_LAYOUT" val="2"/>
+  <p:tag name="ARTICULATE_SLIDE_THUMBNAIL_REFRESH" val="1"/>
 </p:tagLst>
 </file>
 
@@ -29315,6 +29201,7 @@
   <p:tag name="ARTICULATE_PLAYER_CONTROL_NEXT" val="True"/>
   <p:tag name="ARTICULATE_PLAYER_CONTROL_RESOURCES" val="False"/>
   <p:tag name="ARTICULATE_USED_LAYOUT" val="2"/>
+  <p:tag name="ARTICULATE_SLIDE_THUMBNAIL_REFRESH" val="1"/>
 </p:tagLst>
 </file>
 
@@ -29334,6 +29221,7 @@
   <p:tag name="ARTICULATE_PLAYER_CONTROL_NEXT" val="True"/>
   <p:tag name="ARTICULATE_PLAYER_CONTROL_RESOURCES" val="False"/>
   <p:tag name="ARTICULATE_USED_LAYOUT" val="23"/>
+  <p:tag name="ARTICULATE_SLIDE_THUMBNAIL_REFRESH" val="1"/>
 </p:tagLst>
 </file>
 
@@ -29353,6 +29241,7 @@
   <p:tag name="ARTICULATE_PLAYER_CONTROL_NEXT" val="True"/>
   <p:tag name="ARTICULATE_PLAYER_CONTROL_RESOURCES" val="False"/>
   <p:tag name="ARTICULATE_USED_LAYOUT" val="2"/>
+  <p:tag name="ARTICULATE_SLIDE_THUMBNAIL_REFRESH" val="1"/>
 </p:tagLst>
 </file>
 
@@ -29372,6 +29261,7 @@
   <p:tag name="ARTICULATE_PLAYER_CONTROL_NEXT" val="True"/>
   <p:tag name="ARTICULATE_PLAYER_CONTROL_RESOURCES" val="False"/>
   <p:tag name="ARTICULATE_USED_LAYOUT" val="2"/>
+  <p:tag name="ARTICULATE_SLIDE_THUMBNAIL_REFRESH" val="1"/>
 </p:tagLst>
 </file>
 
@@ -29391,6 +29281,7 @@
   <p:tag name="ARTICULATE_PLAYER_CONTROL_NEXT" val="True"/>
   <p:tag name="ARTICULATE_PLAYER_CONTROL_RESOURCES" val="False"/>
   <p:tag name="ARTICULATE_USED_LAYOUT" val="2"/>
+  <p:tag name="ARTICULATE_SLIDE_THUMBNAIL_REFRESH" val="1"/>
 </p:tagLst>
 </file>
 
@@ -29410,6 +29301,7 @@
   <p:tag name="ARTICULATE_PLAYER_CONTROL_NEXT" val="True"/>
   <p:tag name="ARTICULATE_PLAYER_CONTROL_RESOURCES" val="False"/>
   <p:tag name="ARTICULATE_USED_LAYOUT" val="2"/>
+  <p:tag name="ARTICULATE_SLIDE_THUMBNAIL_REFRESH" val="1"/>
 </p:tagLst>
 </file>
 
@@ -29429,6 +29321,7 @@
   <p:tag name="ARTICULATE_PLAYER_CONTROL_NEXT" val="True"/>
   <p:tag name="ARTICULATE_PLAYER_CONTROL_RESOURCES" val="False"/>
   <p:tag name="ARTICULATE_USED_LAYOUT" val="23"/>
+  <p:tag name="ARTICULATE_SLIDE_THUMBNAIL_REFRESH" val="1"/>
 </p:tagLst>
 </file>
 
@@ -29448,6 +29341,7 @@
   <p:tag name="ARTICULATE_PLAYER_CONTROL_NEXT" val="True"/>
   <p:tag name="ARTICULATE_PLAYER_CONTROL_RESOURCES" val="False"/>
   <p:tag name="ARTICULATE_USED_LAYOUT" val="2"/>
+  <p:tag name="ARTICULATE_SLIDE_THUMBNAIL_REFRESH" val="1"/>
 </p:tagLst>
 </file>
 
@@ -29467,6 +29361,7 @@
   <p:tag name="ARTICULATE_PLAYER_CONTROL_NEXT" val="True"/>
   <p:tag name="ARTICULATE_PLAYER_CONTROL_RESOURCES" val="False"/>
   <p:tag name="ARTICULATE_USED_LAYOUT" val="2"/>
+  <p:tag name="ARTICULATE_SLIDE_THUMBNAIL_REFRESH" val="1"/>
 </p:tagLst>
 </file>
 
@@ -29492,6 +29387,7 @@
   <p:tag name="ARTICULATE_PLAYER_CONTROL_NEXT" val="True"/>
   <p:tag name="ARTICULATE_PLAYER_CONTROL_RESOURCES" val="False"/>
   <p:tag name="ARTICULATE_USED_LAYOUT" val="2"/>
+  <p:tag name="ARTICULATE_SLIDE_THUMBNAIL_REFRESH" val="1"/>
 </p:tagLst>
 </file>
 
